--- a/note/14/fi4002_w14_ann2431_v0.pptx
+++ b/note/14/fi4002_w14_ann2431_v0.pptx
@@ -5,17 +5,18 @@
     <p:sldMasterId id="2147483648" r:id="rId1"/>
   </p:sldMasterIdLst>
   <p:notesMasterIdLst>
-    <p:notesMasterId r:id="rId7"/>
+    <p:notesMasterId r:id="rId8"/>
   </p:notesMasterIdLst>
   <p:handoutMasterIdLst>
-    <p:handoutMasterId r:id="rId8"/>
+    <p:handoutMasterId r:id="rId9"/>
   </p:handoutMasterIdLst>
   <p:sldIdLst>
     <p:sldId id="256" r:id="rId2"/>
     <p:sldId id="714" r:id="rId3"/>
     <p:sldId id="751" r:id="rId4"/>
     <p:sldId id="760" r:id="rId5"/>
-    <p:sldId id="487" r:id="rId6"/>
+    <p:sldId id="761" r:id="rId6"/>
+    <p:sldId id="487" r:id="rId7"/>
   </p:sldIdLst>
   <p:sldSz cx="9144000" cy="5143500" type="screen16x9"/>
   <p:notesSz cx="7315200" cy="12344400"/>
@@ -146,7 +147,7 @@
   </p:defaultTextStyle>
   <p:extLst>
     <p:ext uri="{EFAFB233-063F-42B5-8137-9DF3F51BA10A}">
-      <p15:sldGuideLst xmlns:p15="http://schemas.microsoft.com/office/powerpoint/2012/main" xmlns="">
+      <p15:sldGuideLst xmlns="" xmlns:p15="http://schemas.microsoft.com/office/powerpoint/2012/main">
         <p15:guide id="1" orient="horz" pos="1620">
           <p15:clr>
             <a:srgbClr val="A4A3A4"/>
@@ -322,7 +323,7 @@
     </p:spTree>
     <p:extLst>
       <p:ext uri="{BB962C8B-B14F-4D97-AF65-F5344CB8AC3E}">
-        <p14:creationId xmlns:p14="http://schemas.microsoft.com/office/powerpoint/2010/main" xmlns="" val="1"/>
+        <p14:creationId xmlns="" xmlns:p14="http://schemas.microsoft.com/office/powerpoint/2010/main" val="1"/>
       </p:ext>
     </p:extLst>
   </p:cSld>
@@ -4685,17 +4686,7 @@
                   </a:schemeClr>
                 </a:solidFill>
               </a:rPr>
-              <a:t>An illustration</a:t>
-            </a:r>
-            <a:r>
-              <a:rPr lang="en-US" sz="3200" smtClean="0">
-                <a:solidFill>
-                  <a:schemeClr val="bg1">
-                    <a:lumMod val="75000"/>
-                  </a:schemeClr>
-                </a:solidFill>
-              </a:rPr>
-              <a:t> of learning process</a:t>
+              <a:t>An illustration of learning process</a:t>
             </a:r>
             <a:endParaRPr lang="en-US" sz="3200">
               <a:solidFill>
@@ -5343,7 +5334,7 @@
     </p:spTree>
     <p:extLst>
       <p:ext uri="{BB962C8B-B14F-4D97-AF65-F5344CB8AC3E}">
-        <p14:creationId xmlns:p14="http://schemas.microsoft.com/office/powerpoint/2010/main" xmlns="" val="182261936"/>
+        <p14:creationId xmlns="" xmlns:p14="http://schemas.microsoft.com/office/powerpoint/2010/main" val="182261936"/>
       </p:ext>
     </p:extLst>
   </p:cSld>
@@ -5578,21 +5569,13 @@
           <a:p>
             <a:r>
               <a:rPr lang="en-US" smtClean="0"/>
-              <a:t> </a:t>
-            </a:r>
+              <a:t>     hidden neuron</a:t>
+            </a:r>
+          </a:p>
+          <a:p>
             <a:r>
               <a:rPr lang="en-US" smtClean="0"/>
-              <a:t>    hidden neuron</a:t>
-            </a:r>
-          </a:p>
-          <a:p>
-            <a:r>
-              <a:rPr lang="en-US" smtClean="0"/>
-              <a:t> </a:t>
-            </a:r>
-            <a:r>
-              <a:rPr lang="en-US" smtClean="0"/>
-              <a:t>    output neuron</a:t>
+              <a:t>     output neuron</a:t>
             </a:r>
             <a:endParaRPr lang="en-US"/>
           </a:p>
@@ -6342,11 +6325,7 @@
           <a:p>
             <a:r>
               <a:rPr lang="en-US" smtClean="0"/>
-              <a:t>input </a:t>
-            </a:r>
-            <a:r>
-              <a:rPr lang="en-US" smtClean="0"/>
-              <a:t>layer</a:t>
+              <a:t>input layer</a:t>
             </a:r>
             <a:endParaRPr lang="en-US"/>
           </a:p>
@@ -6437,6 +6416,1822 @@
       </p:grpSpPr>
       <p:sp>
         <p:nvSpPr>
+          <p:cNvPr id="4" name="Date Placeholder 3"/>
+          <p:cNvSpPr>
+            <a:spLocks noGrp="1"/>
+          </p:cNvSpPr>
+          <p:nvPr>
+            <p:ph type="dt" sz="half" idx="10"/>
+          </p:nvPr>
+        </p:nvSpPr>
+        <p:spPr/>
+        <p:txBody>
+          <a:bodyPr/>
+          <a:lstStyle/>
+          <a:p>
+            <a:pPr>
+              <a:defRPr/>
+            </a:pPr>
+            <a:r>
+              <a:rPr lang="en-US" smtClean="0"/>
+              <a:t>FI4002-01 2022-2</a:t>
+            </a:r>
+            <a:endParaRPr lang="en-US"/>
+          </a:p>
+        </p:txBody>
+      </p:sp>
+      <p:sp>
+        <p:nvSpPr>
+          <p:cNvPr id="5" name="Footer Placeholder 4"/>
+          <p:cNvSpPr>
+            <a:spLocks noGrp="1"/>
+          </p:cNvSpPr>
+          <p:nvPr>
+            <p:ph type="ftr" sz="quarter" idx="11"/>
+          </p:nvPr>
+        </p:nvSpPr>
+        <p:spPr/>
+        <p:txBody>
+          <a:bodyPr/>
+          <a:lstStyle/>
+          <a:p>
+            <a:pPr>
+              <a:defRPr/>
+            </a:pPr>
+            <a:r>
+              <a:rPr lang="en-US" smtClean="0"/>
+              <a:t>2023-04-18 | 40132 | +62</a:t>
+            </a:r>
+            <a:endParaRPr lang="en-US"/>
+          </a:p>
+        </p:txBody>
+      </p:sp>
+      <p:sp>
+        <p:nvSpPr>
+          <p:cNvPr id="6" name="Slide Number Placeholder 5"/>
+          <p:cNvSpPr>
+            <a:spLocks noGrp="1"/>
+          </p:cNvSpPr>
+          <p:nvPr>
+            <p:ph type="sldNum" sz="quarter" idx="12"/>
+          </p:nvPr>
+        </p:nvSpPr>
+        <p:spPr/>
+        <p:txBody>
+          <a:bodyPr/>
+          <a:lstStyle/>
+          <a:p>
+            <a:pPr>
+              <a:defRPr/>
+            </a:pPr>
+            <a:fld id="{F076344D-F0A0-4571-8A46-686886838267}" type="slidenum">
+              <a:rPr lang="en-US" smtClean="0"/>
+              <a:pPr>
+                <a:defRPr/>
+              </a:pPr>
+              <a:t>5</a:t>
+            </a:fld>
+            <a:endParaRPr lang="en-US"/>
+          </a:p>
+        </p:txBody>
+      </p:sp>
+      <p:sp>
+        <p:nvSpPr>
+          <p:cNvPr id="2" name="Title 1"/>
+          <p:cNvSpPr>
+            <a:spLocks noGrp="1"/>
+          </p:cNvSpPr>
+          <p:nvPr>
+            <p:ph type="title" idx="4294967295"/>
+          </p:nvPr>
+        </p:nvSpPr>
+        <p:spPr>
+          <a:xfrm>
+            <a:off x="0" y="206375"/>
+            <a:ext cx="8229600" cy="857250"/>
+          </a:xfrm>
+        </p:spPr>
+        <p:txBody>
+          <a:bodyPr/>
+          <a:lstStyle/>
+          <a:p>
+            <a:r>
+              <a:rPr lang="en-US" smtClean="0"/>
+              <a:t>2-4-3-1</a:t>
+            </a:r>
+            <a:endParaRPr lang="en-US"/>
+          </a:p>
+        </p:txBody>
+      </p:sp>
+      <p:grpSp>
+        <p:nvGrpSpPr>
+          <p:cNvPr id="21" name="Group 20"/>
+          <p:cNvGrpSpPr/>
+          <p:nvPr/>
+        </p:nvGrpSpPr>
+        <p:grpSpPr>
+          <a:xfrm>
+            <a:off x="1257300" y="1678187"/>
+            <a:ext cx="6629400" cy="2438400"/>
+            <a:chOff x="1143000" y="1733550"/>
+            <a:chExt cx="6629400" cy="2438400"/>
+          </a:xfrm>
+        </p:grpSpPr>
+        <p:sp>
+          <p:nvSpPr>
+            <p:cNvPr id="9" name="Oval 8"/>
+            <p:cNvSpPr/>
+            <p:nvPr/>
+          </p:nvSpPr>
+          <p:spPr>
+            <a:xfrm>
+              <a:off x="7467600" y="2800350"/>
+              <a:ext cx="304800" cy="304800"/>
+            </a:xfrm>
+            <a:prstGeom prst="ellipse">
+              <a:avLst/>
+            </a:prstGeom>
+          </p:spPr>
+          <p:style>
+            <a:lnRef idx="2">
+              <a:schemeClr val="accent1">
+                <a:shade val="50000"/>
+              </a:schemeClr>
+            </a:lnRef>
+            <a:fillRef idx="1">
+              <a:schemeClr val="accent1"/>
+            </a:fillRef>
+            <a:effectRef idx="0">
+              <a:schemeClr val="accent1"/>
+            </a:effectRef>
+            <a:fontRef idx="minor">
+              <a:schemeClr val="lt1"/>
+            </a:fontRef>
+          </p:style>
+          <p:txBody>
+            <a:bodyPr rtlCol="0" anchor="ctr"/>
+            <a:lstStyle/>
+            <a:p>
+              <a:pPr algn="ctr"/>
+              <a:endParaRPr lang="en-US"/>
+            </a:p>
+          </p:txBody>
+        </p:sp>
+        <p:grpSp>
+          <p:nvGrpSpPr>
+            <p:cNvPr id="18" name="Group 17"/>
+            <p:cNvGrpSpPr/>
+            <p:nvPr/>
+          </p:nvGrpSpPr>
+          <p:grpSpPr>
+            <a:xfrm>
+              <a:off x="3251200" y="1733550"/>
+              <a:ext cx="304800" cy="2438400"/>
+              <a:chOff x="3581400" y="1733550"/>
+              <a:chExt cx="304800" cy="2438400"/>
+            </a:xfrm>
+          </p:grpSpPr>
+          <p:sp>
+            <p:nvSpPr>
+              <p:cNvPr id="7" name="Oval 6"/>
+              <p:cNvSpPr/>
+              <p:nvPr/>
+            </p:nvSpPr>
+            <p:spPr>
+              <a:xfrm>
+                <a:off x="3581400" y="1733550"/>
+                <a:ext cx="304800" cy="304800"/>
+              </a:xfrm>
+              <a:prstGeom prst="ellipse">
+                <a:avLst/>
+              </a:prstGeom>
+              <a:solidFill>
+                <a:srgbClr val="92D050"/>
+              </a:solidFill>
+              <a:ln>
+                <a:solidFill>
+                  <a:srgbClr val="00B050"/>
+                </a:solidFill>
+              </a:ln>
+            </p:spPr>
+            <p:style>
+              <a:lnRef idx="2">
+                <a:schemeClr val="accent1">
+                  <a:shade val="50000"/>
+                </a:schemeClr>
+              </a:lnRef>
+              <a:fillRef idx="1">
+                <a:schemeClr val="accent1"/>
+              </a:fillRef>
+              <a:effectRef idx="0">
+                <a:schemeClr val="accent1"/>
+              </a:effectRef>
+              <a:fontRef idx="minor">
+                <a:schemeClr val="lt1"/>
+              </a:fontRef>
+            </p:style>
+            <p:txBody>
+              <a:bodyPr rtlCol="0" anchor="ctr"/>
+              <a:lstStyle/>
+              <a:p>
+                <a:pPr algn="ctr"/>
+                <a:endParaRPr lang="en-US"/>
+              </a:p>
+            </p:txBody>
+          </p:sp>
+          <p:sp>
+            <p:nvSpPr>
+              <p:cNvPr id="11" name="Oval 10"/>
+              <p:cNvSpPr/>
+              <p:nvPr/>
+            </p:nvSpPr>
+            <p:spPr>
+              <a:xfrm>
+                <a:off x="3581400" y="2444750"/>
+                <a:ext cx="304800" cy="304800"/>
+              </a:xfrm>
+              <a:prstGeom prst="ellipse">
+                <a:avLst/>
+              </a:prstGeom>
+              <a:solidFill>
+                <a:srgbClr val="92D050"/>
+              </a:solidFill>
+              <a:ln>
+                <a:solidFill>
+                  <a:srgbClr val="00B050"/>
+                </a:solidFill>
+              </a:ln>
+            </p:spPr>
+            <p:style>
+              <a:lnRef idx="2">
+                <a:schemeClr val="accent1">
+                  <a:shade val="50000"/>
+                </a:schemeClr>
+              </a:lnRef>
+              <a:fillRef idx="1">
+                <a:schemeClr val="accent1"/>
+              </a:fillRef>
+              <a:effectRef idx="0">
+                <a:schemeClr val="accent1"/>
+              </a:effectRef>
+              <a:fontRef idx="minor">
+                <a:schemeClr val="lt1"/>
+              </a:fontRef>
+            </p:style>
+            <p:txBody>
+              <a:bodyPr rtlCol="0" anchor="ctr"/>
+              <a:lstStyle/>
+              <a:p>
+                <a:pPr algn="ctr"/>
+                <a:endParaRPr lang="en-US"/>
+              </a:p>
+            </p:txBody>
+          </p:sp>
+          <p:sp>
+            <p:nvSpPr>
+              <p:cNvPr id="12" name="Oval 11"/>
+              <p:cNvSpPr/>
+              <p:nvPr/>
+            </p:nvSpPr>
+            <p:spPr>
+              <a:xfrm>
+                <a:off x="3581400" y="3155950"/>
+                <a:ext cx="304800" cy="304800"/>
+              </a:xfrm>
+              <a:prstGeom prst="ellipse">
+                <a:avLst/>
+              </a:prstGeom>
+              <a:solidFill>
+                <a:srgbClr val="92D050"/>
+              </a:solidFill>
+              <a:ln>
+                <a:solidFill>
+                  <a:srgbClr val="00B050"/>
+                </a:solidFill>
+              </a:ln>
+            </p:spPr>
+            <p:style>
+              <a:lnRef idx="2">
+                <a:schemeClr val="accent1">
+                  <a:shade val="50000"/>
+                </a:schemeClr>
+              </a:lnRef>
+              <a:fillRef idx="1">
+                <a:schemeClr val="accent1"/>
+              </a:fillRef>
+              <a:effectRef idx="0">
+                <a:schemeClr val="accent1"/>
+              </a:effectRef>
+              <a:fontRef idx="minor">
+                <a:schemeClr val="lt1"/>
+              </a:fontRef>
+            </p:style>
+            <p:txBody>
+              <a:bodyPr rtlCol="0" anchor="ctr"/>
+              <a:lstStyle/>
+              <a:p>
+                <a:pPr algn="ctr"/>
+                <a:endParaRPr lang="en-US"/>
+              </a:p>
+            </p:txBody>
+          </p:sp>
+          <p:sp>
+            <p:nvSpPr>
+              <p:cNvPr id="13" name="Oval 12"/>
+              <p:cNvSpPr/>
+              <p:nvPr/>
+            </p:nvSpPr>
+            <p:spPr>
+              <a:xfrm>
+                <a:off x="3581400" y="3867150"/>
+                <a:ext cx="304800" cy="304800"/>
+              </a:xfrm>
+              <a:prstGeom prst="ellipse">
+                <a:avLst/>
+              </a:prstGeom>
+              <a:solidFill>
+                <a:srgbClr val="92D050"/>
+              </a:solidFill>
+              <a:ln>
+                <a:solidFill>
+                  <a:srgbClr val="00B050"/>
+                </a:solidFill>
+              </a:ln>
+            </p:spPr>
+            <p:style>
+              <a:lnRef idx="2">
+                <a:schemeClr val="accent1">
+                  <a:shade val="50000"/>
+                </a:schemeClr>
+              </a:lnRef>
+              <a:fillRef idx="1">
+                <a:schemeClr val="accent1"/>
+              </a:fillRef>
+              <a:effectRef idx="0">
+                <a:schemeClr val="accent1"/>
+              </a:effectRef>
+              <a:fontRef idx="minor">
+                <a:schemeClr val="lt1"/>
+              </a:fontRef>
+            </p:style>
+            <p:txBody>
+              <a:bodyPr rtlCol="0" anchor="ctr"/>
+              <a:lstStyle/>
+              <a:p>
+                <a:pPr algn="ctr"/>
+                <a:endParaRPr lang="en-US"/>
+              </a:p>
+            </p:txBody>
+          </p:sp>
+        </p:grpSp>
+        <p:grpSp>
+          <p:nvGrpSpPr>
+            <p:cNvPr id="19" name="Group 18"/>
+            <p:cNvGrpSpPr/>
+            <p:nvPr/>
+          </p:nvGrpSpPr>
+          <p:grpSpPr>
+            <a:xfrm>
+              <a:off x="5359400" y="2114550"/>
+              <a:ext cx="304800" cy="1676400"/>
+              <a:chOff x="4686300" y="1809750"/>
+              <a:chExt cx="304800" cy="1676400"/>
+            </a:xfrm>
+          </p:grpSpPr>
+          <p:sp>
+            <p:nvSpPr>
+              <p:cNvPr id="10" name="Oval 9"/>
+              <p:cNvSpPr/>
+              <p:nvPr/>
+            </p:nvSpPr>
+            <p:spPr>
+              <a:xfrm>
+                <a:off x="4686300" y="1809750"/>
+                <a:ext cx="304800" cy="304800"/>
+              </a:xfrm>
+              <a:prstGeom prst="ellipse">
+                <a:avLst/>
+              </a:prstGeom>
+              <a:solidFill>
+                <a:srgbClr val="92D050"/>
+              </a:solidFill>
+              <a:ln>
+                <a:solidFill>
+                  <a:srgbClr val="00B050"/>
+                </a:solidFill>
+              </a:ln>
+            </p:spPr>
+            <p:style>
+              <a:lnRef idx="2">
+                <a:schemeClr val="accent1">
+                  <a:shade val="50000"/>
+                </a:schemeClr>
+              </a:lnRef>
+              <a:fillRef idx="1">
+                <a:schemeClr val="accent1"/>
+              </a:fillRef>
+              <a:effectRef idx="0">
+                <a:schemeClr val="accent1"/>
+              </a:effectRef>
+              <a:fontRef idx="minor">
+                <a:schemeClr val="lt1"/>
+              </a:fontRef>
+            </p:style>
+            <p:txBody>
+              <a:bodyPr rtlCol="0" anchor="ctr"/>
+              <a:lstStyle/>
+              <a:p>
+                <a:pPr algn="ctr"/>
+                <a:endParaRPr lang="en-US"/>
+              </a:p>
+            </p:txBody>
+          </p:sp>
+          <p:sp>
+            <p:nvSpPr>
+              <p:cNvPr id="14" name="Oval 13"/>
+              <p:cNvSpPr/>
+              <p:nvPr/>
+            </p:nvSpPr>
+            <p:spPr>
+              <a:xfrm>
+                <a:off x="4686300" y="2495550"/>
+                <a:ext cx="304800" cy="304800"/>
+              </a:xfrm>
+              <a:prstGeom prst="ellipse">
+                <a:avLst/>
+              </a:prstGeom>
+              <a:solidFill>
+                <a:srgbClr val="92D050"/>
+              </a:solidFill>
+              <a:ln>
+                <a:solidFill>
+                  <a:srgbClr val="00B050"/>
+                </a:solidFill>
+              </a:ln>
+            </p:spPr>
+            <p:style>
+              <a:lnRef idx="2">
+                <a:schemeClr val="accent1">
+                  <a:shade val="50000"/>
+                </a:schemeClr>
+              </a:lnRef>
+              <a:fillRef idx="1">
+                <a:schemeClr val="accent1"/>
+              </a:fillRef>
+              <a:effectRef idx="0">
+                <a:schemeClr val="accent1"/>
+              </a:effectRef>
+              <a:fontRef idx="minor">
+                <a:schemeClr val="lt1"/>
+              </a:fontRef>
+            </p:style>
+            <p:txBody>
+              <a:bodyPr rtlCol="0" anchor="ctr"/>
+              <a:lstStyle/>
+              <a:p>
+                <a:pPr algn="ctr"/>
+                <a:endParaRPr lang="en-US"/>
+              </a:p>
+            </p:txBody>
+          </p:sp>
+          <p:sp>
+            <p:nvSpPr>
+              <p:cNvPr id="15" name="Oval 14"/>
+              <p:cNvSpPr/>
+              <p:nvPr/>
+            </p:nvSpPr>
+            <p:spPr>
+              <a:xfrm>
+                <a:off x="4686300" y="3181350"/>
+                <a:ext cx="304800" cy="304800"/>
+              </a:xfrm>
+              <a:prstGeom prst="ellipse">
+                <a:avLst/>
+              </a:prstGeom>
+              <a:solidFill>
+                <a:srgbClr val="92D050"/>
+              </a:solidFill>
+              <a:ln>
+                <a:solidFill>
+                  <a:srgbClr val="00B050"/>
+                </a:solidFill>
+              </a:ln>
+            </p:spPr>
+            <p:style>
+              <a:lnRef idx="2">
+                <a:schemeClr val="accent1">
+                  <a:shade val="50000"/>
+                </a:schemeClr>
+              </a:lnRef>
+              <a:fillRef idx="1">
+                <a:schemeClr val="accent1"/>
+              </a:fillRef>
+              <a:effectRef idx="0">
+                <a:schemeClr val="accent1"/>
+              </a:effectRef>
+              <a:fontRef idx="minor">
+                <a:schemeClr val="lt1"/>
+              </a:fontRef>
+            </p:style>
+            <p:txBody>
+              <a:bodyPr rtlCol="0" anchor="ctr"/>
+              <a:lstStyle/>
+              <a:p>
+                <a:pPr algn="ctr"/>
+                <a:endParaRPr lang="en-US"/>
+              </a:p>
+            </p:txBody>
+          </p:sp>
+        </p:grpSp>
+        <p:grpSp>
+          <p:nvGrpSpPr>
+            <p:cNvPr id="20" name="Group 19"/>
+            <p:cNvGrpSpPr/>
+            <p:nvPr/>
+          </p:nvGrpSpPr>
+          <p:grpSpPr>
+            <a:xfrm>
+              <a:off x="1143000" y="2152650"/>
+              <a:ext cx="304800" cy="1600200"/>
+              <a:chOff x="1752600" y="1962150"/>
+              <a:chExt cx="304800" cy="1600200"/>
+            </a:xfrm>
+          </p:grpSpPr>
+          <p:sp>
+            <p:nvSpPr>
+              <p:cNvPr id="8" name="Oval 7"/>
+              <p:cNvSpPr/>
+              <p:nvPr/>
+            </p:nvSpPr>
+            <p:spPr>
+              <a:xfrm>
+                <a:off x="1752600" y="1962150"/>
+                <a:ext cx="304800" cy="304800"/>
+              </a:xfrm>
+              <a:prstGeom prst="ellipse">
+                <a:avLst/>
+              </a:prstGeom>
+              <a:solidFill>
+                <a:srgbClr val="FF0000"/>
+              </a:solidFill>
+              <a:ln>
+                <a:solidFill>
+                  <a:srgbClr val="C00000"/>
+                </a:solidFill>
+              </a:ln>
+            </p:spPr>
+            <p:style>
+              <a:lnRef idx="2">
+                <a:schemeClr val="accent1">
+                  <a:shade val="50000"/>
+                </a:schemeClr>
+              </a:lnRef>
+              <a:fillRef idx="1">
+                <a:schemeClr val="accent1"/>
+              </a:fillRef>
+              <a:effectRef idx="0">
+                <a:schemeClr val="accent1"/>
+              </a:effectRef>
+              <a:fontRef idx="minor">
+                <a:schemeClr val="lt1"/>
+              </a:fontRef>
+            </p:style>
+            <p:txBody>
+              <a:bodyPr rtlCol="0" anchor="ctr"/>
+              <a:lstStyle/>
+              <a:p>
+                <a:pPr algn="ctr"/>
+                <a:endParaRPr lang="en-US"/>
+              </a:p>
+            </p:txBody>
+          </p:sp>
+          <p:sp>
+            <p:nvSpPr>
+              <p:cNvPr id="17" name="Oval 16"/>
+              <p:cNvSpPr/>
+              <p:nvPr/>
+            </p:nvSpPr>
+            <p:spPr>
+              <a:xfrm>
+                <a:off x="1752600" y="3257550"/>
+                <a:ext cx="304800" cy="304800"/>
+              </a:xfrm>
+              <a:prstGeom prst="ellipse">
+                <a:avLst/>
+              </a:prstGeom>
+              <a:solidFill>
+                <a:srgbClr val="FF0000"/>
+              </a:solidFill>
+              <a:ln>
+                <a:solidFill>
+                  <a:srgbClr val="C00000"/>
+                </a:solidFill>
+              </a:ln>
+            </p:spPr>
+            <p:style>
+              <a:lnRef idx="2">
+                <a:schemeClr val="accent1">
+                  <a:shade val="50000"/>
+                </a:schemeClr>
+              </a:lnRef>
+              <a:fillRef idx="1">
+                <a:schemeClr val="accent1"/>
+              </a:fillRef>
+              <a:effectRef idx="0">
+                <a:schemeClr val="accent1"/>
+              </a:effectRef>
+              <a:fontRef idx="minor">
+                <a:schemeClr val="lt1"/>
+              </a:fontRef>
+            </p:style>
+            <p:txBody>
+              <a:bodyPr rtlCol="0" anchor="ctr"/>
+              <a:lstStyle/>
+              <a:p>
+                <a:pPr algn="ctr"/>
+                <a:endParaRPr lang="en-US"/>
+              </a:p>
+            </p:txBody>
+          </p:sp>
+        </p:grpSp>
+      </p:grpSp>
+      <p:cxnSp>
+        <p:nvCxnSpPr>
+          <p:cNvPr id="22" name="Straight Arrow Connector 21"/>
+          <p:cNvCxnSpPr>
+            <a:stCxn id="8" idx="7"/>
+            <a:endCxn id="7" idx="2"/>
+          </p:cNvCxnSpPr>
+          <p:nvPr/>
+        </p:nvCxnSpPr>
+        <p:spPr>
+          <a:xfrm rot="5400000" flipH="1" flipV="1">
+            <a:off x="2285813" y="1062238"/>
+            <a:ext cx="311337" cy="1848037"/>
+          </a:xfrm>
+          <a:prstGeom prst="straightConnector1">
+            <a:avLst/>
+          </a:prstGeom>
+          <a:ln w="15875">
+            <a:solidFill>
+              <a:schemeClr val="bg1">
+                <a:lumMod val="75000"/>
+              </a:schemeClr>
+            </a:solidFill>
+            <a:tailEnd type="triangle" w="lg" len="lg"/>
+          </a:ln>
+        </p:spPr>
+        <p:style>
+          <a:lnRef idx="1">
+            <a:schemeClr val="accent1"/>
+          </a:lnRef>
+          <a:fillRef idx="0">
+            <a:schemeClr val="accent1"/>
+          </a:fillRef>
+          <a:effectRef idx="0">
+            <a:schemeClr val="accent1"/>
+          </a:effectRef>
+          <a:fontRef idx="minor">
+            <a:schemeClr val="tx1"/>
+          </a:fontRef>
+        </p:style>
+      </p:cxnSp>
+      <p:cxnSp>
+        <p:nvCxnSpPr>
+          <p:cNvPr id="26" name="Straight Arrow Connector 25"/>
+          <p:cNvCxnSpPr>
+            <a:stCxn id="8" idx="6"/>
+            <a:endCxn id="11" idx="2"/>
+          </p:cNvCxnSpPr>
+          <p:nvPr/>
+        </p:nvCxnSpPr>
+        <p:spPr>
+          <a:xfrm>
+            <a:off x="1562100" y="2249687"/>
+            <a:ext cx="1803400" cy="292100"/>
+          </a:xfrm>
+          <a:prstGeom prst="straightConnector1">
+            <a:avLst/>
+          </a:prstGeom>
+          <a:ln w="15875">
+            <a:solidFill>
+              <a:schemeClr val="bg1">
+                <a:lumMod val="75000"/>
+              </a:schemeClr>
+            </a:solidFill>
+            <a:tailEnd type="triangle" w="lg" len="lg"/>
+          </a:ln>
+        </p:spPr>
+        <p:style>
+          <a:lnRef idx="1">
+            <a:schemeClr val="accent1"/>
+          </a:lnRef>
+          <a:fillRef idx="0">
+            <a:schemeClr val="accent1"/>
+          </a:fillRef>
+          <a:effectRef idx="0">
+            <a:schemeClr val="accent1"/>
+          </a:effectRef>
+          <a:fontRef idx="minor">
+            <a:schemeClr val="tx1"/>
+          </a:fontRef>
+        </p:style>
+      </p:cxnSp>
+      <p:cxnSp>
+        <p:nvCxnSpPr>
+          <p:cNvPr id="30" name="Straight Arrow Connector 29"/>
+          <p:cNvCxnSpPr>
+            <a:stCxn id="8" idx="5"/>
+            <a:endCxn id="12" idx="1"/>
+          </p:cNvCxnSpPr>
+          <p:nvPr/>
+        </p:nvCxnSpPr>
+        <p:spPr>
+          <a:xfrm rot="16200000" flipH="1">
+            <a:off x="2069913" y="1805000"/>
+            <a:ext cx="787774" cy="1892674"/>
+          </a:xfrm>
+          <a:prstGeom prst="straightConnector1">
+            <a:avLst/>
+          </a:prstGeom>
+          <a:ln w="15875">
+            <a:solidFill>
+              <a:schemeClr val="bg1">
+                <a:lumMod val="75000"/>
+              </a:schemeClr>
+            </a:solidFill>
+            <a:tailEnd type="triangle" w="lg" len="lg"/>
+          </a:ln>
+        </p:spPr>
+        <p:style>
+          <a:lnRef idx="1">
+            <a:schemeClr val="accent1"/>
+          </a:lnRef>
+          <a:fillRef idx="0">
+            <a:schemeClr val="accent1"/>
+          </a:fillRef>
+          <a:effectRef idx="0">
+            <a:schemeClr val="accent1"/>
+          </a:effectRef>
+          <a:fontRef idx="minor">
+            <a:schemeClr val="tx1"/>
+          </a:fontRef>
+        </p:style>
+      </p:cxnSp>
+      <p:cxnSp>
+        <p:nvCxnSpPr>
+          <p:cNvPr id="35" name="Straight Arrow Connector 34"/>
+          <p:cNvCxnSpPr>
+            <a:stCxn id="8" idx="4"/>
+            <a:endCxn id="13" idx="1"/>
+          </p:cNvCxnSpPr>
+          <p:nvPr/>
+        </p:nvCxnSpPr>
+        <p:spPr>
+          <a:xfrm rot="16200000" flipH="1">
+            <a:off x="1682750" y="2129036"/>
+            <a:ext cx="1454337" cy="2000437"/>
+          </a:xfrm>
+          <a:prstGeom prst="straightConnector1">
+            <a:avLst/>
+          </a:prstGeom>
+          <a:ln w="15875">
+            <a:solidFill>
+              <a:schemeClr val="bg1">
+                <a:lumMod val="75000"/>
+              </a:schemeClr>
+            </a:solidFill>
+            <a:tailEnd type="triangle" w="lg" len="lg"/>
+          </a:ln>
+        </p:spPr>
+        <p:style>
+          <a:lnRef idx="1">
+            <a:schemeClr val="accent1"/>
+          </a:lnRef>
+          <a:fillRef idx="0">
+            <a:schemeClr val="accent1"/>
+          </a:fillRef>
+          <a:effectRef idx="0">
+            <a:schemeClr val="accent1"/>
+          </a:effectRef>
+          <a:fontRef idx="minor">
+            <a:schemeClr val="tx1"/>
+          </a:fontRef>
+        </p:style>
+      </p:cxnSp>
+      <p:cxnSp>
+        <p:nvCxnSpPr>
+          <p:cNvPr id="38" name="Straight Arrow Connector 37"/>
+          <p:cNvCxnSpPr>
+            <a:stCxn id="17" idx="0"/>
+            <a:endCxn id="7" idx="3"/>
+          </p:cNvCxnSpPr>
+          <p:nvPr/>
+        </p:nvCxnSpPr>
+        <p:spPr>
+          <a:xfrm rot="5400000" flipH="1" flipV="1">
+            <a:off x="1682750" y="1665301"/>
+            <a:ext cx="1454337" cy="2000437"/>
+          </a:xfrm>
+          <a:prstGeom prst="straightConnector1">
+            <a:avLst/>
+          </a:prstGeom>
+          <a:ln w="15875">
+            <a:solidFill>
+              <a:schemeClr val="bg1">
+                <a:lumMod val="75000"/>
+              </a:schemeClr>
+            </a:solidFill>
+            <a:tailEnd type="triangle" w="lg" len="lg"/>
+          </a:ln>
+        </p:spPr>
+        <p:style>
+          <a:lnRef idx="1">
+            <a:schemeClr val="accent1"/>
+          </a:lnRef>
+          <a:fillRef idx="0">
+            <a:schemeClr val="accent1"/>
+          </a:fillRef>
+          <a:effectRef idx="0">
+            <a:schemeClr val="accent1"/>
+          </a:effectRef>
+          <a:fontRef idx="minor">
+            <a:schemeClr val="tx1"/>
+          </a:fontRef>
+        </p:style>
+      </p:cxnSp>
+      <p:cxnSp>
+        <p:nvCxnSpPr>
+          <p:cNvPr id="41" name="Straight Arrow Connector 40"/>
+          <p:cNvCxnSpPr>
+            <a:stCxn id="17" idx="7"/>
+            <a:endCxn id="11" idx="3"/>
+          </p:cNvCxnSpPr>
+          <p:nvPr/>
+        </p:nvCxnSpPr>
+        <p:spPr>
+          <a:xfrm rot="5400000" flipH="1" flipV="1">
+            <a:off x="2069913" y="2097100"/>
+            <a:ext cx="787774" cy="1892674"/>
+          </a:xfrm>
+          <a:prstGeom prst="straightConnector1">
+            <a:avLst/>
+          </a:prstGeom>
+          <a:ln w="15875">
+            <a:solidFill>
+              <a:schemeClr val="bg1">
+                <a:lumMod val="75000"/>
+              </a:schemeClr>
+            </a:solidFill>
+            <a:tailEnd type="triangle" w="lg" len="lg"/>
+          </a:ln>
+        </p:spPr>
+        <p:style>
+          <a:lnRef idx="1">
+            <a:schemeClr val="accent1"/>
+          </a:lnRef>
+          <a:fillRef idx="0">
+            <a:schemeClr val="accent1"/>
+          </a:fillRef>
+          <a:effectRef idx="0">
+            <a:schemeClr val="accent1"/>
+          </a:effectRef>
+          <a:fontRef idx="minor">
+            <a:schemeClr val="tx1"/>
+          </a:fontRef>
+        </p:style>
+      </p:cxnSp>
+      <p:cxnSp>
+        <p:nvCxnSpPr>
+          <p:cNvPr id="44" name="Straight Arrow Connector 43"/>
+          <p:cNvCxnSpPr>
+            <a:stCxn id="17" idx="6"/>
+            <a:endCxn id="12" idx="2"/>
+          </p:cNvCxnSpPr>
+          <p:nvPr/>
+        </p:nvCxnSpPr>
+        <p:spPr>
+          <a:xfrm flipV="1">
+            <a:off x="1562100" y="3252987"/>
+            <a:ext cx="1803400" cy="292100"/>
+          </a:xfrm>
+          <a:prstGeom prst="straightConnector1">
+            <a:avLst/>
+          </a:prstGeom>
+          <a:ln w="15875">
+            <a:solidFill>
+              <a:schemeClr val="bg1">
+                <a:lumMod val="75000"/>
+              </a:schemeClr>
+            </a:solidFill>
+            <a:tailEnd type="triangle" w="lg" len="lg"/>
+          </a:ln>
+        </p:spPr>
+        <p:style>
+          <a:lnRef idx="1">
+            <a:schemeClr val="accent1"/>
+          </a:lnRef>
+          <a:fillRef idx="0">
+            <a:schemeClr val="accent1"/>
+          </a:fillRef>
+          <a:effectRef idx="0">
+            <a:schemeClr val="accent1"/>
+          </a:effectRef>
+          <a:fontRef idx="minor">
+            <a:schemeClr val="tx1"/>
+          </a:fontRef>
+        </p:style>
+      </p:cxnSp>
+      <p:cxnSp>
+        <p:nvCxnSpPr>
+          <p:cNvPr id="47" name="Straight Arrow Connector 46"/>
+          <p:cNvCxnSpPr>
+            <a:stCxn id="17" idx="5"/>
+            <a:endCxn id="13" idx="2"/>
+          </p:cNvCxnSpPr>
+          <p:nvPr/>
+        </p:nvCxnSpPr>
+        <p:spPr>
+          <a:xfrm rot="16200000" flipH="1">
+            <a:off x="2285813" y="2884499"/>
+            <a:ext cx="311337" cy="1848037"/>
+          </a:xfrm>
+          <a:prstGeom prst="straightConnector1">
+            <a:avLst/>
+          </a:prstGeom>
+          <a:ln w="15875">
+            <a:solidFill>
+              <a:schemeClr val="bg1">
+                <a:lumMod val="75000"/>
+              </a:schemeClr>
+            </a:solidFill>
+            <a:tailEnd type="triangle" w="lg" len="lg"/>
+          </a:ln>
+        </p:spPr>
+        <p:style>
+          <a:lnRef idx="1">
+            <a:schemeClr val="accent1"/>
+          </a:lnRef>
+          <a:fillRef idx="0">
+            <a:schemeClr val="accent1"/>
+          </a:fillRef>
+          <a:effectRef idx="0">
+            <a:schemeClr val="accent1"/>
+          </a:effectRef>
+          <a:fontRef idx="minor">
+            <a:schemeClr val="tx1"/>
+          </a:fontRef>
+        </p:style>
+      </p:cxnSp>
+      <p:cxnSp>
+        <p:nvCxnSpPr>
+          <p:cNvPr id="69" name="Straight Arrow Connector 68"/>
+          <p:cNvCxnSpPr>
+            <a:stCxn id="7" idx="7"/>
+            <a:endCxn id="10" idx="1"/>
+          </p:cNvCxnSpPr>
+          <p:nvPr/>
+        </p:nvCxnSpPr>
+        <p:spPr>
+          <a:xfrm rot="16200000" flipH="1">
+            <a:off x="4381500" y="966987"/>
+            <a:ext cx="381000" cy="1892674"/>
+          </a:xfrm>
+          <a:prstGeom prst="straightConnector1">
+            <a:avLst/>
+          </a:prstGeom>
+          <a:ln w="15875">
+            <a:solidFill>
+              <a:schemeClr val="bg1">
+                <a:lumMod val="75000"/>
+              </a:schemeClr>
+            </a:solidFill>
+            <a:tailEnd type="triangle" w="lg" len="lg"/>
+          </a:ln>
+        </p:spPr>
+        <p:style>
+          <a:lnRef idx="1">
+            <a:schemeClr val="accent1"/>
+          </a:lnRef>
+          <a:fillRef idx="0">
+            <a:schemeClr val="accent1"/>
+          </a:fillRef>
+          <a:effectRef idx="0">
+            <a:schemeClr val="accent1"/>
+          </a:effectRef>
+          <a:fontRef idx="minor">
+            <a:schemeClr val="tx1"/>
+          </a:fontRef>
+        </p:style>
+      </p:cxnSp>
+      <p:cxnSp>
+        <p:nvCxnSpPr>
+          <p:cNvPr id="72" name="Straight Arrow Connector 71"/>
+          <p:cNvCxnSpPr>
+            <a:stCxn id="7" idx="6"/>
+            <a:endCxn id="14" idx="1"/>
+          </p:cNvCxnSpPr>
+          <p:nvPr/>
+        </p:nvCxnSpPr>
+        <p:spPr>
+          <a:xfrm>
+            <a:off x="3670300" y="1830587"/>
+            <a:ext cx="1848037" cy="959037"/>
+          </a:xfrm>
+          <a:prstGeom prst="straightConnector1">
+            <a:avLst/>
+          </a:prstGeom>
+          <a:ln w="15875">
+            <a:solidFill>
+              <a:schemeClr val="bg1">
+                <a:lumMod val="75000"/>
+              </a:schemeClr>
+            </a:solidFill>
+            <a:tailEnd type="triangle" w="lg" len="lg"/>
+          </a:ln>
+        </p:spPr>
+        <p:style>
+          <a:lnRef idx="1">
+            <a:schemeClr val="accent1"/>
+          </a:lnRef>
+          <a:fillRef idx="0">
+            <a:schemeClr val="accent1"/>
+          </a:fillRef>
+          <a:effectRef idx="0">
+            <a:schemeClr val="accent1"/>
+          </a:effectRef>
+          <a:fontRef idx="minor">
+            <a:schemeClr val="tx1"/>
+          </a:fontRef>
+        </p:style>
+      </p:cxnSp>
+      <p:cxnSp>
+        <p:nvCxnSpPr>
+          <p:cNvPr id="75" name="Straight Arrow Connector 74"/>
+          <p:cNvCxnSpPr>
+            <a:stCxn id="7" idx="5"/>
+            <a:endCxn id="15" idx="0"/>
+          </p:cNvCxnSpPr>
+          <p:nvPr/>
+        </p:nvCxnSpPr>
+        <p:spPr>
+          <a:xfrm rot="16200000" flipH="1">
+            <a:off x="3879663" y="1684349"/>
+            <a:ext cx="1492437" cy="2000437"/>
+          </a:xfrm>
+          <a:prstGeom prst="straightConnector1">
+            <a:avLst/>
+          </a:prstGeom>
+          <a:ln w="15875">
+            <a:solidFill>
+              <a:schemeClr val="bg1">
+                <a:lumMod val="75000"/>
+              </a:schemeClr>
+            </a:solidFill>
+            <a:tailEnd type="triangle" w="lg" len="lg"/>
+          </a:ln>
+        </p:spPr>
+        <p:style>
+          <a:lnRef idx="1">
+            <a:schemeClr val="accent1"/>
+          </a:lnRef>
+          <a:fillRef idx="0">
+            <a:schemeClr val="accent1"/>
+          </a:fillRef>
+          <a:effectRef idx="0">
+            <a:schemeClr val="accent1"/>
+          </a:effectRef>
+          <a:fontRef idx="minor">
+            <a:schemeClr val="tx1"/>
+          </a:fontRef>
+        </p:style>
+      </p:cxnSp>
+      <p:cxnSp>
+        <p:nvCxnSpPr>
+          <p:cNvPr id="78" name="Straight Arrow Connector 77"/>
+          <p:cNvCxnSpPr>
+            <a:stCxn id="11" idx="7"/>
+            <a:endCxn id="10" idx="2"/>
+          </p:cNvCxnSpPr>
+          <p:nvPr/>
+        </p:nvCxnSpPr>
+        <p:spPr>
+          <a:xfrm rot="5400000" flipH="1" flipV="1">
+            <a:off x="4438463" y="1398788"/>
+            <a:ext cx="222437" cy="1848037"/>
+          </a:xfrm>
+          <a:prstGeom prst="straightConnector1">
+            <a:avLst/>
+          </a:prstGeom>
+          <a:ln w="15875">
+            <a:solidFill>
+              <a:schemeClr val="bg1">
+                <a:lumMod val="75000"/>
+              </a:schemeClr>
+            </a:solidFill>
+            <a:tailEnd type="triangle" w="lg" len="lg"/>
+          </a:ln>
+        </p:spPr>
+        <p:style>
+          <a:lnRef idx="1">
+            <a:schemeClr val="accent1"/>
+          </a:lnRef>
+          <a:fillRef idx="0">
+            <a:schemeClr val="accent1"/>
+          </a:fillRef>
+          <a:effectRef idx="0">
+            <a:schemeClr val="accent1"/>
+          </a:effectRef>
+          <a:fontRef idx="minor">
+            <a:schemeClr val="tx1"/>
+          </a:fontRef>
+        </p:style>
+      </p:cxnSp>
+      <p:cxnSp>
+        <p:nvCxnSpPr>
+          <p:cNvPr id="81" name="Straight Arrow Connector 80"/>
+          <p:cNvCxnSpPr>
+            <a:stCxn id="11" idx="6"/>
+            <a:endCxn id="14" idx="2"/>
+          </p:cNvCxnSpPr>
+          <p:nvPr/>
+        </p:nvCxnSpPr>
+        <p:spPr>
+          <a:xfrm>
+            <a:off x="3670300" y="2541787"/>
+            <a:ext cx="1803400" cy="355600"/>
+          </a:xfrm>
+          <a:prstGeom prst="straightConnector1">
+            <a:avLst/>
+          </a:prstGeom>
+          <a:ln w="15875">
+            <a:solidFill>
+              <a:schemeClr val="bg1">
+                <a:lumMod val="75000"/>
+              </a:schemeClr>
+            </a:solidFill>
+            <a:tailEnd type="triangle" w="lg" len="lg"/>
+          </a:ln>
+        </p:spPr>
+        <p:style>
+          <a:lnRef idx="1">
+            <a:schemeClr val="accent1"/>
+          </a:lnRef>
+          <a:fillRef idx="0">
+            <a:schemeClr val="accent1"/>
+          </a:fillRef>
+          <a:effectRef idx="0">
+            <a:schemeClr val="accent1"/>
+          </a:effectRef>
+          <a:fontRef idx="minor">
+            <a:schemeClr val="tx1"/>
+          </a:fontRef>
+        </p:style>
+      </p:cxnSp>
+      <p:cxnSp>
+        <p:nvCxnSpPr>
+          <p:cNvPr id="84" name="Straight Arrow Connector 83"/>
+          <p:cNvCxnSpPr>
+            <a:stCxn id="11" idx="5"/>
+            <a:endCxn id="15" idx="1"/>
+          </p:cNvCxnSpPr>
+          <p:nvPr/>
+        </p:nvCxnSpPr>
+        <p:spPr>
+          <a:xfrm rot="16200000" flipH="1">
+            <a:off x="4159063" y="2116150"/>
+            <a:ext cx="825874" cy="1892674"/>
+          </a:xfrm>
+          <a:prstGeom prst="straightConnector1">
+            <a:avLst/>
+          </a:prstGeom>
+          <a:ln w="15875">
+            <a:solidFill>
+              <a:schemeClr val="bg1">
+                <a:lumMod val="75000"/>
+              </a:schemeClr>
+            </a:solidFill>
+            <a:tailEnd type="triangle" w="lg" len="lg"/>
+          </a:ln>
+        </p:spPr>
+        <p:style>
+          <a:lnRef idx="1">
+            <a:schemeClr val="accent1"/>
+          </a:lnRef>
+          <a:fillRef idx="0">
+            <a:schemeClr val="accent1"/>
+          </a:fillRef>
+          <a:effectRef idx="0">
+            <a:schemeClr val="accent1"/>
+          </a:effectRef>
+          <a:fontRef idx="minor">
+            <a:schemeClr val="tx1"/>
+          </a:fontRef>
+        </p:style>
+      </p:cxnSp>
+      <p:cxnSp>
+        <p:nvCxnSpPr>
+          <p:cNvPr id="87" name="Straight Arrow Connector 86"/>
+          <p:cNvCxnSpPr>
+            <a:stCxn id="12" idx="7"/>
+            <a:endCxn id="10" idx="3"/>
+          </p:cNvCxnSpPr>
+          <p:nvPr/>
+        </p:nvCxnSpPr>
+        <p:spPr>
+          <a:xfrm rot="5400000" flipH="1" flipV="1">
+            <a:off x="4159063" y="1785950"/>
+            <a:ext cx="825874" cy="1892674"/>
+          </a:xfrm>
+          <a:prstGeom prst="straightConnector1">
+            <a:avLst/>
+          </a:prstGeom>
+          <a:ln w="15875">
+            <a:solidFill>
+              <a:schemeClr val="bg1">
+                <a:lumMod val="75000"/>
+              </a:schemeClr>
+            </a:solidFill>
+            <a:tailEnd type="triangle" w="lg" len="lg"/>
+          </a:ln>
+        </p:spPr>
+        <p:style>
+          <a:lnRef idx="1">
+            <a:schemeClr val="accent1"/>
+          </a:lnRef>
+          <a:fillRef idx="0">
+            <a:schemeClr val="accent1"/>
+          </a:fillRef>
+          <a:effectRef idx="0">
+            <a:schemeClr val="accent1"/>
+          </a:effectRef>
+          <a:fontRef idx="minor">
+            <a:schemeClr val="tx1"/>
+          </a:fontRef>
+        </p:style>
+      </p:cxnSp>
+      <p:cxnSp>
+        <p:nvCxnSpPr>
+          <p:cNvPr id="90" name="Straight Arrow Connector 89"/>
+          <p:cNvCxnSpPr>
+            <a:stCxn id="12" idx="6"/>
+            <a:endCxn id="14" idx="3"/>
+          </p:cNvCxnSpPr>
+          <p:nvPr/>
+        </p:nvCxnSpPr>
+        <p:spPr>
+          <a:xfrm flipV="1">
+            <a:off x="3670300" y="3005150"/>
+            <a:ext cx="1848037" cy="247837"/>
+          </a:xfrm>
+          <a:prstGeom prst="straightConnector1">
+            <a:avLst/>
+          </a:prstGeom>
+          <a:ln w="15875">
+            <a:solidFill>
+              <a:schemeClr val="bg1">
+                <a:lumMod val="75000"/>
+              </a:schemeClr>
+            </a:solidFill>
+            <a:tailEnd type="triangle" w="lg" len="lg"/>
+          </a:ln>
+        </p:spPr>
+        <p:style>
+          <a:lnRef idx="1">
+            <a:schemeClr val="accent1"/>
+          </a:lnRef>
+          <a:fillRef idx="0">
+            <a:schemeClr val="accent1"/>
+          </a:fillRef>
+          <a:effectRef idx="0">
+            <a:schemeClr val="accent1"/>
+          </a:effectRef>
+          <a:fontRef idx="minor">
+            <a:schemeClr val="tx1"/>
+          </a:fontRef>
+        </p:style>
+      </p:cxnSp>
+      <p:cxnSp>
+        <p:nvCxnSpPr>
+          <p:cNvPr id="93" name="Straight Arrow Connector 92"/>
+          <p:cNvCxnSpPr>
+            <a:stCxn id="12" idx="5"/>
+            <a:endCxn id="15" idx="2"/>
+          </p:cNvCxnSpPr>
+          <p:nvPr/>
+        </p:nvCxnSpPr>
+        <p:spPr>
+          <a:xfrm rot="16200000" flipH="1">
+            <a:off x="4438463" y="2547949"/>
+            <a:ext cx="222437" cy="1848037"/>
+          </a:xfrm>
+          <a:prstGeom prst="straightConnector1">
+            <a:avLst/>
+          </a:prstGeom>
+          <a:ln w="15875">
+            <a:solidFill>
+              <a:schemeClr val="bg1">
+                <a:lumMod val="75000"/>
+              </a:schemeClr>
+            </a:solidFill>
+            <a:tailEnd type="triangle" w="lg" len="lg"/>
+          </a:ln>
+        </p:spPr>
+        <p:style>
+          <a:lnRef idx="1">
+            <a:schemeClr val="accent1"/>
+          </a:lnRef>
+          <a:fillRef idx="0">
+            <a:schemeClr val="accent1"/>
+          </a:fillRef>
+          <a:effectRef idx="0">
+            <a:schemeClr val="accent1"/>
+          </a:effectRef>
+          <a:fontRef idx="minor">
+            <a:schemeClr val="tx1"/>
+          </a:fontRef>
+        </p:style>
+      </p:cxnSp>
+      <p:cxnSp>
+        <p:nvCxnSpPr>
+          <p:cNvPr id="96" name="Straight Arrow Connector 95"/>
+          <p:cNvCxnSpPr>
+            <a:stCxn id="13" idx="7"/>
+            <a:endCxn id="10" idx="4"/>
+          </p:cNvCxnSpPr>
+          <p:nvPr/>
+        </p:nvCxnSpPr>
+        <p:spPr>
+          <a:xfrm rot="5400000" flipH="1" flipV="1">
+            <a:off x="3879663" y="2109988"/>
+            <a:ext cx="1492437" cy="2000437"/>
+          </a:xfrm>
+          <a:prstGeom prst="straightConnector1">
+            <a:avLst/>
+          </a:prstGeom>
+          <a:ln w="15875">
+            <a:solidFill>
+              <a:schemeClr val="bg1">
+                <a:lumMod val="75000"/>
+              </a:schemeClr>
+            </a:solidFill>
+            <a:tailEnd type="triangle" w="lg" len="lg"/>
+          </a:ln>
+        </p:spPr>
+        <p:style>
+          <a:lnRef idx="1">
+            <a:schemeClr val="accent1"/>
+          </a:lnRef>
+          <a:fillRef idx="0">
+            <a:schemeClr val="accent1"/>
+          </a:fillRef>
+          <a:effectRef idx="0">
+            <a:schemeClr val="accent1"/>
+          </a:effectRef>
+          <a:fontRef idx="minor">
+            <a:schemeClr val="tx1"/>
+          </a:fontRef>
+        </p:style>
+      </p:cxnSp>
+      <p:cxnSp>
+        <p:nvCxnSpPr>
+          <p:cNvPr id="99" name="Straight Arrow Connector 98"/>
+          <p:cNvCxnSpPr>
+            <a:stCxn id="13" idx="6"/>
+            <a:endCxn id="14" idx="4"/>
+          </p:cNvCxnSpPr>
+          <p:nvPr/>
+        </p:nvCxnSpPr>
+        <p:spPr>
+          <a:xfrm flipV="1">
+            <a:off x="3670300" y="3049787"/>
+            <a:ext cx="1955800" cy="914400"/>
+          </a:xfrm>
+          <a:prstGeom prst="straightConnector1">
+            <a:avLst/>
+          </a:prstGeom>
+          <a:ln w="15875">
+            <a:solidFill>
+              <a:schemeClr val="bg1">
+                <a:lumMod val="75000"/>
+              </a:schemeClr>
+            </a:solidFill>
+            <a:tailEnd type="triangle" w="lg" len="lg"/>
+          </a:ln>
+        </p:spPr>
+        <p:style>
+          <a:lnRef idx="1">
+            <a:schemeClr val="accent1"/>
+          </a:lnRef>
+          <a:fillRef idx="0">
+            <a:schemeClr val="accent1"/>
+          </a:fillRef>
+          <a:effectRef idx="0">
+            <a:schemeClr val="accent1"/>
+          </a:effectRef>
+          <a:fontRef idx="minor">
+            <a:schemeClr val="tx1"/>
+          </a:fontRef>
+        </p:style>
+      </p:cxnSp>
+      <p:cxnSp>
+        <p:nvCxnSpPr>
+          <p:cNvPr id="102" name="Straight Arrow Connector 101"/>
+          <p:cNvCxnSpPr>
+            <a:stCxn id="13" idx="5"/>
+            <a:endCxn id="15" idx="3"/>
+          </p:cNvCxnSpPr>
+          <p:nvPr/>
+        </p:nvCxnSpPr>
+        <p:spPr>
+          <a:xfrm rot="5400000" flipH="1" flipV="1">
+            <a:off x="4381500" y="2935113"/>
+            <a:ext cx="381000" cy="1892674"/>
+          </a:xfrm>
+          <a:prstGeom prst="straightConnector1">
+            <a:avLst/>
+          </a:prstGeom>
+          <a:ln w="15875">
+            <a:solidFill>
+              <a:schemeClr val="bg1">
+                <a:lumMod val="75000"/>
+              </a:schemeClr>
+            </a:solidFill>
+            <a:tailEnd type="triangle" w="lg" len="lg"/>
+          </a:ln>
+        </p:spPr>
+        <p:style>
+          <a:lnRef idx="1">
+            <a:schemeClr val="accent1"/>
+          </a:lnRef>
+          <a:fillRef idx="0">
+            <a:schemeClr val="accent1"/>
+          </a:fillRef>
+          <a:effectRef idx="0">
+            <a:schemeClr val="accent1"/>
+          </a:effectRef>
+          <a:fontRef idx="minor">
+            <a:schemeClr val="tx1"/>
+          </a:fontRef>
+        </p:style>
+      </p:cxnSp>
+      <p:cxnSp>
+        <p:nvCxnSpPr>
+          <p:cNvPr id="111" name="Straight Arrow Connector 110"/>
+          <p:cNvCxnSpPr>
+            <a:stCxn id="10" idx="6"/>
+            <a:endCxn id="9" idx="1"/>
+          </p:cNvCxnSpPr>
+          <p:nvPr/>
+        </p:nvCxnSpPr>
+        <p:spPr>
+          <a:xfrm>
+            <a:off x="5778500" y="2211587"/>
+            <a:ext cx="1848037" cy="578037"/>
+          </a:xfrm>
+          <a:prstGeom prst="straightConnector1">
+            <a:avLst/>
+          </a:prstGeom>
+          <a:ln w="15875">
+            <a:solidFill>
+              <a:schemeClr val="bg1">
+                <a:lumMod val="75000"/>
+              </a:schemeClr>
+            </a:solidFill>
+            <a:tailEnd type="triangle" w="lg" len="lg"/>
+          </a:ln>
+        </p:spPr>
+        <p:style>
+          <a:lnRef idx="1">
+            <a:schemeClr val="accent1"/>
+          </a:lnRef>
+          <a:fillRef idx="0">
+            <a:schemeClr val="accent1"/>
+          </a:fillRef>
+          <a:effectRef idx="0">
+            <a:schemeClr val="accent1"/>
+          </a:effectRef>
+          <a:fontRef idx="minor">
+            <a:schemeClr val="tx1"/>
+          </a:fontRef>
+        </p:style>
+      </p:cxnSp>
+      <p:cxnSp>
+        <p:nvCxnSpPr>
+          <p:cNvPr id="114" name="Straight Arrow Connector 113"/>
+          <p:cNvCxnSpPr>
+            <a:stCxn id="14" idx="6"/>
+            <a:endCxn id="9" idx="2"/>
+          </p:cNvCxnSpPr>
+          <p:nvPr/>
+        </p:nvCxnSpPr>
+        <p:spPr>
+          <a:xfrm>
+            <a:off x="5778500" y="2897387"/>
+            <a:ext cx="1803400" cy="1588"/>
+          </a:xfrm>
+          <a:prstGeom prst="straightConnector1">
+            <a:avLst/>
+          </a:prstGeom>
+          <a:ln w="15875">
+            <a:solidFill>
+              <a:schemeClr val="bg1">
+                <a:lumMod val="75000"/>
+              </a:schemeClr>
+            </a:solidFill>
+            <a:tailEnd type="triangle" w="lg" len="lg"/>
+          </a:ln>
+        </p:spPr>
+        <p:style>
+          <a:lnRef idx="1">
+            <a:schemeClr val="accent1"/>
+          </a:lnRef>
+          <a:fillRef idx="0">
+            <a:schemeClr val="accent1"/>
+          </a:fillRef>
+          <a:effectRef idx="0">
+            <a:schemeClr val="accent1"/>
+          </a:effectRef>
+          <a:fontRef idx="minor">
+            <a:schemeClr val="tx1"/>
+          </a:fontRef>
+        </p:style>
+      </p:cxnSp>
+      <p:cxnSp>
+        <p:nvCxnSpPr>
+          <p:cNvPr id="117" name="Straight Arrow Connector 116"/>
+          <p:cNvCxnSpPr>
+            <a:stCxn id="15" idx="6"/>
+            <a:endCxn id="9" idx="3"/>
+          </p:cNvCxnSpPr>
+          <p:nvPr/>
+        </p:nvCxnSpPr>
+        <p:spPr>
+          <a:xfrm flipV="1">
+            <a:off x="5778500" y="3005150"/>
+            <a:ext cx="1848037" cy="578037"/>
+          </a:xfrm>
+          <a:prstGeom prst="straightConnector1">
+            <a:avLst/>
+          </a:prstGeom>
+          <a:ln w="15875">
+            <a:solidFill>
+              <a:schemeClr val="bg1">
+                <a:lumMod val="75000"/>
+              </a:schemeClr>
+            </a:solidFill>
+            <a:tailEnd type="triangle" w="lg" len="lg"/>
+          </a:ln>
+        </p:spPr>
+        <p:style>
+          <a:lnRef idx="1">
+            <a:schemeClr val="accent1"/>
+          </a:lnRef>
+          <a:fillRef idx="0">
+            <a:schemeClr val="accent1"/>
+          </a:fillRef>
+          <a:effectRef idx="0">
+            <a:schemeClr val="accent1"/>
+          </a:effectRef>
+          <a:fontRef idx="minor">
+            <a:schemeClr val="tx1"/>
+          </a:fontRef>
+        </p:style>
+      </p:cxnSp>
+      <p:graphicFrame>
+        <p:nvGraphicFramePr>
+          <p:cNvPr id="120" name="Object 119"/>
+          <p:cNvGraphicFramePr>
+            <a:graphicFrameLocks noChangeAspect="1"/>
+          </p:cNvGraphicFramePr>
+          <p:nvPr/>
+        </p:nvGraphicFramePr>
+        <p:xfrm>
+          <a:off x="703944" y="1962150"/>
+          <a:ext cx="539750" cy="577850"/>
+        </p:xfrm>
+        <a:graphic>
+          <a:graphicData uri="http://schemas.openxmlformats.org/presentationml/2006/ole">
+            <p:oleObj spid="_x0000_s20482" name="Equation" r:id="rId3" imgW="177480" imgH="190440" progId="Equation.3">
+              <p:embed/>
+            </p:oleObj>
+          </a:graphicData>
+        </a:graphic>
+      </p:graphicFrame>
+      <p:graphicFrame>
+        <p:nvGraphicFramePr>
+          <p:cNvPr id="20483" name="Object 3"/>
+          <p:cNvGraphicFramePr>
+            <a:graphicFrameLocks noChangeAspect="1"/>
+          </p:cNvGraphicFramePr>
+          <p:nvPr/>
+        </p:nvGraphicFramePr>
+        <p:xfrm>
+          <a:off x="684894" y="3257550"/>
+          <a:ext cx="577850" cy="577850"/>
+        </p:xfrm>
+        <a:graphic>
+          <a:graphicData uri="http://schemas.openxmlformats.org/presentationml/2006/ole">
+            <p:oleObj spid="_x0000_s20483" name="Equation" r:id="rId4" imgW="190440" imgH="190440" progId="Equation.3">
+              <p:embed/>
+            </p:oleObj>
+          </a:graphicData>
+        </a:graphic>
+      </p:graphicFrame>
+      <p:graphicFrame>
+        <p:nvGraphicFramePr>
+          <p:cNvPr id="20484" name="Object 4"/>
+          <p:cNvGraphicFramePr>
+            <a:graphicFrameLocks noChangeAspect="1"/>
+          </p:cNvGraphicFramePr>
+          <p:nvPr/>
+        </p:nvGraphicFramePr>
+        <p:xfrm>
+          <a:off x="2785495" y="1189264"/>
+          <a:ext cx="579438" cy="577850"/>
+        </p:xfrm>
+        <a:graphic>
+          <a:graphicData uri="http://schemas.openxmlformats.org/presentationml/2006/ole">
+            <p:oleObj spid="_x0000_s20484" name="Equation" r:id="rId5" imgW="190440" imgH="190440" progId="Equation.3">
+              <p:embed/>
+            </p:oleObj>
+          </a:graphicData>
+        </a:graphic>
+      </p:graphicFrame>
+      <p:graphicFrame>
+        <p:nvGraphicFramePr>
+          <p:cNvPr id="20485" name="Object 5"/>
+          <p:cNvGraphicFramePr>
+            <a:graphicFrameLocks noChangeAspect="1"/>
+          </p:cNvGraphicFramePr>
+          <p:nvPr/>
+        </p:nvGraphicFramePr>
+        <p:xfrm>
+          <a:off x="7903028" y="2593522"/>
+          <a:ext cx="577850" cy="577850"/>
+        </p:xfrm>
+        <a:graphic>
+          <a:graphicData uri="http://schemas.openxmlformats.org/presentationml/2006/ole">
+            <p:oleObj spid="_x0000_s20485" name="Equation" r:id="rId6" imgW="190440" imgH="190440" progId="Equation.3">
+              <p:embed/>
+            </p:oleObj>
+          </a:graphicData>
+        </a:graphic>
+      </p:graphicFrame>
+      <p:graphicFrame>
+        <p:nvGraphicFramePr>
+          <p:cNvPr id="20486" name="Object 6"/>
+          <p:cNvGraphicFramePr>
+            <a:graphicFrameLocks noChangeAspect="1"/>
+          </p:cNvGraphicFramePr>
+          <p:nvPr/>
+        </p:nvGraphicFramePr>
+        <p:xfrm>
+          <a:off x="2785495" y="2103664"/>
+          <a:ext cx="579438" cy="577850"/>
+        </p:xfrm>
+        <a:graphic>
+          <a:graphicData uri="http://schemas.openxmlformats.org/presentationml/2006/ole">
+            <p:oleObj spid="_x0000_s20486" name="Equation" r:id="rId7" imgW="190440" imgH="190440" progId="Equation.3">
+              <p:embed/>
+            </p:oleObj>
+          </a:graphicData>
+        </a:graphic>
+      </p:graphicFrame>
+      <p:graphicFrame>
+        <p:nvGraphicFramePr>
+          <p:cNvPr id="20487" name="Object 7"/>
+          <p:cNvGraphicFramePr>
+            <a:graphicFrameLocks noChangeAspect="1"/>
+          </p:cNvGraphicFramePr>
+          <p:nvPr/>
+        </p:nvGraphicFramePr>
+        <p:xfrm>
+          <a:off x="2785495" y="3018064"/>
+          <a:ext cx="579438" cy="577850"/>
+        </p:xfrm>
+        <a:graphic>
+          <a:graphicData uri="http://schemas.openxmlformats.org/presentationml/2006/ole">
+            <p:oleObj spid="_x0000_s20487" name="Equation" r:id="rId8" imgW="190440" imgH="190440" progId="Equation.3">
+              <p:embed/>
+            </p:oleObj>
+          </a:graphicData>
+        </a:graphic>
+      </p:graphicFrame>
+      <p:graphicFrame>
+        <p:nvGraphicFramePr>
+          <p:cNvPr id="20488" name="Object 8"/>
+          <p:cNvGraphicFramePr>
+            <a:graphicFrameLocks noChangeAspect="1"/>
+          </p:cNvGraphicFramePr>
+          <p:nvPr/>
+        </p:nvGraphicFramePr>
+        <p:xfrm>
+          <a:off x="2785495" y="3932464"/>
+          <a:ext cx="579438" cy="577850"/>
+        </p:xfrm>
+        <a:graphic>
+          <a:graphicData uri="http://schemas.openxmlformats.org/presentationml/2006/ole">
+            <p:oleObj spid="_x0000_s20488" name="Equation" r:id="rId9" imgW="190440" imgH="190440" progId="Equation.3">
+              <p:embed/>
+            </p:oleObj>
+          </a:graphicData>
+        </a:graphic>
+      </p:graphicFrame>
+      <p:graphicFrame>
+        <p:nvGraphicFramePr>
+          <p:cNvPr id="20489" name="Object 9"/>
+          <p:cNvGraphicFramePr>
+            <a:graphicFrameLocks noChangeAspect="1"/>
+          </p:cNvGraphicFramePr>
+          <p:nvPr/>
+        </p:nvGraphicFramePr>
+        <p:xfrm>
+          <a:off x="5791200" y="1766206"/>
+          <a:ext cx="577850" cy="577850"/>
+        </p:xfrm>
+        <a:graphic>
+          <a:graphicData uri="http://schemas.openxmlformats.org/presentationml/2006/ole">
+            <p:oleObj spid="_x0000_s20489" name="Equation" r:id="rId10" imgW="190440" imgH="190440" progId="Equation.3">
+              <p:embed/>
+            </p:oleObj>
+          </a:graphicData>
+        </a:graphic>
+      </p:graphicFrame>
+      <p:graphicFrame>
+        <p:nvGraphicFramePr>
+          <p:cNvPr id="20490" name="Object 10"/>
+          <p:cNvGraphicFramePr>
+            <a:graphicFrameLocks noChangeAspect="1"/>
+          </p:cNvGraphicFramePr>
+          <p:nvPr/>
+        </p:nvGraphicFramePr>
+        <p:xfrm>
+          <a:off x="5791200" y="2626180"/>
+          <a:ext cx="577850" cy="577850"/>
+        </p:xfrm>
+        <a:graphic>
+          <a:graphicData uri="http://schemas.openxmlformats.org/presentationml/2006/ole">
+            <p:oleObj spid="_x0000_s20490" name="Equation" r:id="rId11" imgW="190440" imgH="190440" progId="Equation.3">
+              <p:embed/>
+            </p:oleObj>
+          </a:graphicData>
+        </a:graphic>
+      </p:graphicFrame>
+      <p:graphicFrame>
+        <p:nvGraphicFramePr>
+          <p:cNvPr id="20491" name="Object 11"/>
+          <p:cNvGraphicFramePr>
+            <a:graphicFrameLocks noChangeAspect="1"/>
+          </p:cNvGraphicFramePr>
+          <p:nvPr/>
+        </p:nvGraphicFramePr>
+        <p:xfrm>
+          <a:off x="5791200" y="3475268"/>
+          <a:ext cx="577850" cy="577850"/>
+        </p:xfrm>
+        <a:graphic>
+          <a:graphicData uri="http://schemas.openxmlformats.org/presentationml/2006/ole">
+            <p:oleObj spid="_x0000_s20491" name="Equation" r:id="rId12" imgW="190440" imgH="190440" progId="Equation.3">
+              <p:embed/>
+            </p:oleObj>
+          </a:graphicData>
+        </a:graphic>
+      </p:graphicFrame>
+    </p:spTree>
+  </p:cSld>
+  <p:clrMapOvr>
+    <a:masterClrMapping/>
+  </p:clrMapOvr>
+  <p:timing>
+    <p:tnLst>
+      <p:par>
+        <p:cTn id="1" dur="indefinite" restart="never" nodeType="tmRoot"/>
+      </p:par>
+    </p:tnLst>
+  </p:timing>
+</p:sld>
+</file>
+
+<file path=ppt/slides/slide6.xml><?xml version="1.0" encoding="utf-8"?>
+<p:sld xmlns:a="http://schemas.openxmlformats.org/drawingml/2006/main" xmlns:r="http://schemas.openxmlformats.org/officeDocument/2006/relationships" xmlns:p="http://schemas.openxmlformats.org/presentationml/2006/main">
+  <p:cSld>
+    <p:spTree>
+      <p:nvGrpSpPr>
+        <p:cNvPr id="1" name=""/>
+        <p:cNvGrpSpPr/>
+        <p:nvPr/>
+      </p:nvGrpSpPr>
+      <p:grpSpPr>
+        <a:xfrm>
+          <a:off x="0" y="0"/>
+          <a:ext cx="0" cy="0"/>
+          <a:chOff x="0" y="0"/>
+          <a:chExt cx="0" cy="0"/>
+        </a:xfrm>
+      </p:grpSpPr>
+      <p:sp>
+        <p:nvSpPr>
           <p:cNvPr id="43010" name="Date Placeholder 3"/>
           <p:cNvSpPr>
             <a:spLocks noGrp="1"/>
@@ -6518,7 +8313,7 @@
               <a:pPr>
                 <a:defRPr/>
               </a:pPr>
-              <a:t>5</a:t>
+              <a:t>6</a:t>
             </a:fld>
             <a:endParaRPr lang="en-US"/>
           </a:p>
@@ -6587,6 +8382,13 @@
   <p:clrMapOvr>
     <a:masterClrMapping/>
   </p:clrMapOvr>
+  <p:timing>
+    <p:tnLst>
+      <p:par>
+        <p:cTn id="1" dur="indefinite" restart="never" nodeType="tmRoot"/>
+      </p:par>
+    </p:tnLst>
+  </p:timing>
 </p:sld>
 </file>
 
